--- a/Output_english_example.pptx
+++ b/Output_english_example.pptx
@@ -65,7 +65,6 @@
     <p:sldId id="313" r:id="rId64"/>
     <p:sldId id="314" r:id="rId65"/>
     <p:sldId id="315" r:id="rId66"/>
-    <p:sldId id="316" r:id="rId67"/>
   </p:sldIdLst>
   <p:sldSz cx="9144000" cy="6858000" type="screen4x3"/>
   <p:notesSz cx="6858000" cy="9144000"/>
@@ -3164,7 +3163,7 @@
           <a:lstStyle/>
           <a:p>
             <a:r>
-              <a:t>THE-COCA-COLA-COMPANY-4819</a:t>
+              <a:t>REALTY-INCOME-CORPORATION-13868</a:t>
             </a:r>
           </a:p>
         </p:txBody>
@@ -3210,43 +3209,47 @@
           <a:p/>
           <a:p>
             <a:r>
-              <a:t>'The Coca-Cola Company is the world n ° 1 for the production and marketing of</a:t>
+              <a:t>Realty Income Corporation specializes in the detention, development and</a:t>
             </a:r>
             <a:br/>
             <a:r>
-              <a:t>alcohol-free drinks.The CA by activity is distributed as follows: ','- Sale of</a:t>
+              <a:t>management of commercial and industrial real estate assets located in the United</a:t>
             </a:r>
             <a:br/>
             <a:r>
-              <a:t>concentrates of drinks and syrups (56%); ','- Bottling and sale of drinks (44%):</a:t>
+              <a:t>States and in Puerto Rico.Rental income by type of assets are distributed as</a:t>
             </a:r>
             <a:br/>
             <a:r>
-              <a:t>sodas, fruit juice, drinks withtea base, waters, etc.Marketed under the Coca-</a:t>
+              <a:t>follows :, '- stores (82.7%);', '- industrial premises (15%);', '- Others</a:t>
             </a:r>
             <a:br/>
             <a:r>
-              <a:t>Cola brands, Diet Coke, Fanta, Fresca, Schweppes Sprite, Thums Up, Aquarius,</a:t>
+              <a:t>(2.3%): offices, factoriesAgri -foods, game establishments, etc. ', at the end</a:t>
             </a:r>
             <a:br/>
             <a:r>
-              <a:t>Ciel, Dasani, Ades, Del Valle, Fairlife, Innocent, Minute Maid, etc. ',' a end</a:t>
+              <a:t>of 2022, the real estate portfolio, composed of 12,237 assets of a total rental</a:t>
             </a:r>
             <a:br/>
             <a:r>
-              <a:t>of 2022, the grouphas 133 production sites worldwide. ', 64.2% of the turnover</a:t>
+              <a:t>area of 22,003,659 m2, is evaluated, in accounting value, at 42.7</a:t>
             </a:r>
             <a:br/>
             <a:r>
-              <a:t>is produced internationally.Capitalization, business value, turnover, EBITDA,</a:t>
+              <a:t>mdsusd.Capitalization, business value, turnover, EBITDA, EBIT, EBT, net profit,</a:t>
             </a:r>
             <a:br/>
             <a:r>
-              <a:t>EBIT, EBT, net profit, net debt and cash, free cash flow, equity, total assets</a:t>
+              <a:t>debt and net cash, free cash flow, equity, total assets and CAPEX are in</a:t>
             </a:r>
             <a:br/>
             <a:r>
-              <a:t>and CAPEX are in millions.</a:t>
+              <a:t>millions. The benchmark of the dividend scores is made up of the following</a:t>
+            </a:r>
+            <a:br/>
+            <a:r>
+              <a:t>tickers;KO,JNJ,XOM,MMM,ITW,PM,IBM,ED,O,PG,EPD,BLK,VZ,NWN</a:t>
             </a:r>
           </a:p>
         </p:txBody>
@@ -3724,7 +3727,7 @@
         <p:spPr>
           <a:xfrm>
             <a:off x="731520" y="1920240"/>
-            <a:ext cx="8449056" cy="4261104"/>
+            <a:ext cx="7827264" cy="4261104"/>
           </a:xfrm>
           <a:prstGeom prst="rect">
             <a:avLst/>
@@ -4124,7 +4127,7 @@
         <p:spPr>
           <a:xfrm>
             <a:off x="548640" y="1920240"/>
-            <a:ext cx="8357616" cy="2962656"/>
+            <a:ext cx="8549640" cy="2962656"/>
           </a:xfrm>
           <a:prstGeom prst="rect">
             <a:avLst/>
@@ -4645,7 +4648,7 @@
           <a:lstStyle/>
           <a:p>
             <a:r>
-              <a:t>FCF Conversion EBITDA</a:t>
+              <a:t>Dividend / Action</a:t>
             </a:r>
           </a:p>
         </p:txBody>
@@ -4725,7 +4728,7 @@
           <a:lstStyle/>
           <a:p>
             <a:r>
-              <a:t>FCF Conversion Net Result</a:t>
+              <a:t>Array 3</a:t>
             </a:r>
           </a:p>
         </p:txBody>
@@ -4749,7 +4752,7 @@
       </p:sp>
       <p:pic>
         <p:nvPicPr>
-          <p:cNvPr id="4" name="Picture 3" descr="fig{i}.png"/>
+          <p:cNvPr id="4" name="Picture 3" descr="df4.png"/>
           <p:cNvPicPr>
             <a:picLocks noChangeAspect="1"/>
           </p:cNvPicPr>
@@ -4763,8 +4766,8 @@
         </p:blipFill>
         <p:spPr>
           <a:xfrm>
-            <a:off x="1005840" y="1737360"/>
-            <a:ext cx="7315200" cy="4572000"/>
+            <a:off x="640080" y="1920240"/>
+            <a:ext cx="7827264" cy="3630168"/>
           </a:xfrm>
           <a:prstGeom prst="rect">
             <a:avLst/>
@@ -4805,7 +4808,7 @@
           <a:lstStyle/>
           <a:p>
             <a:r>
-              <a:t>Dividend / Action</a:t>
+              <a:t>Net debt</a:t>
             </a:r>
           </a:p>
         </p:txBody>
@@ -4885,7 +4888,7 @@
           <a:lstStyle/>
           <a:p>
             <a:r>
-              <a:t>Array 3</a:t>
+              <a:t>Debt/Ebitda Leverage</a:t>
             </a:r>
           </a:p>
         </p:txBody>
@@ -4909,7 +4912,7 @@
       </p:sp>
       <p:pic>
         <p:nvPicPr>
-          <p:cNvPr id="4" name="Picture 3" descr="df4.png"/>
+          <p:cNvPr id="4" name="Picture 3" descr="fig{i}.png"/>
           <p:cNvPicPr>
             <a:picLocks noChangeAspect="1"/>
           </p:cNvPicPr>
@@ -4923,8 +4926,8 @@
         </p:blipFill>
         <p:spPr>
           <a:xfrm>
-            <a:off x="640080" y="1920240"/>
-            <a:ext cx="7827264" cy="3630168"/>
+            <a:off x="1005840" y="1737360"/>
+            <a:ext cx="7315200" cy="4572000"/>
           </a:xfrm>
           <a:prstGeom prst="rect">
             <a:avLst/>
@@ -5045,7 +5048,7 @@
           <a:lstStyle/>
           <a:p>
             <a:r>
-              <a:t>Net debt</a:t>
+              <a:t>Free cash flow</a:t>
             </a:r>
           </a:p>
         </p:txBody>
@@ -5125,7 +5128,7 @@
           <a:lstStyle/>
           <a:p>
             <a:r>
-              <a:t>Debt/Ebitda Leverage</a:t>
+              <a:t>ROE RN / Equity</a:t>
             </a:r>
           </a:p>
         </p:txBody>
@@ -5205,7 +5208,7 @@
           <a:lstStyle/>
           <a:p>
             <a:r>
-              <a:t>Free cash flow</a:t>
+              <a:t>ROA RN / TOTAL Active</a:t>
             </a:r>
           </a:p>
         </p:txBody>
@@ -5285,7 +5288,7 @@
           <a:lstStyle/>
           <a:p>
             <a:r>
-              <a:t>ROE RN / Equity</a:t>
+              <a:t>Total active</a:t>
             </a:r>
           </a:p>
         </p:txBody>
@@ -5365,7 +5368,7 @@
           <a:lstStyle/>
           <a:p>
             <a:r>
-              <a:t>ROA RN / TOTAL Active</a:t>
+              <a:t>Net assets per share</a:t>
             </a:r>
           </a:p>
         </p:txBody>
@@ -5445,7 +5448,7 @@
           <a:lstStyle/>
           <a:p>
             <a:r>
-              <a:t>Total active</a:t>
+              <a:t>Cash flow by action</a:t>
             </a:r>
           </a:p>
         </p:txBody>
@@ -5525,7 +5528,7 @@
           <a:lstStyle/>
           <a:p>
             <a:r>
-              <a:t>Net assets per share</a:t>
+              <a:t>Capex</a:t>
             </a:r>
           </a:p>
         </p:txBody>
@@ -5605,7 +5608,7 @@
           <a:lstStyle/>
           <a:p>
             <a:r>
-              <a:t>Cash flow by action</a:t>
+              <a:t>CAPEX / CA</a:t>
             </a:r>
           </a:p>
         </p:txBody>
@@ -5685,7 +5688,7 @@
           <a:lstStyle/>
           <a:p>
             <a:r>
-              <a:t>Capex</a:t>
+              <a:t>Equity</a:t>
             </a:r>
           </a:p>
         </p:txBody>
@@ -5765,7 +5768,7 @@
           <a:lstStyle/>
           <a:p>
             <a:r>
-              <a:t>CAPEX / CA</a:t>
+              <a:t>Pay out ratio</a:t>
             </a:r>
           </a:p>
         </p:txBody>
@@ -5789,7 +5792,7 @@
       </p:sp>
       <p:pic>
         <p:nvPicPr>
-          <p:cNvPr id="4" name="Picture 3" descr="fig{i}.png"/>
+          <p:cNvPr id="4" name="Picture 3" descr="payout.png"/>
           <p:cNvPicPr>
             <a:picLocks noChangeAspect="1"/>
           </p:cNvPicPr>
@@ -5803,7 +5806,7 @@
         </p:blipFill>
         <p:spPr>
           <a:xfrm>
-            <a:off x="1005840" y="1737360"/>
+            <a:off x="914400" y="1828800"/>
             <a:ext cx="7315200" cy="4572000"/>
           </a:xfrm>
           <a:prstGeom prst="rect">
@@ -5925,166 +5928,6 @@
           <a:lstStyle/>
           <a:p>
             <a:r>
-              <a:t>Equity</a:t>
-            </a:r>
-          </a:p>
-        </p:txBody>
-      </p:sp>
-      <p:sp>
-        <p:nvSpPr>
-          <p:cNvPr id="3" name="Content Placeholder 2"/>
-          <p:cNvSpPr>
-            <a:spLocks noGrp="1"/>
-          </p:cNvSpPr>
-          <p:nvPr>
-            <p:ph idx="1"/>
-          </p:nvPr>
-        </p:nvSpPr>
-        <p:spPr/>
-        <p:txBody>
-          <a:bodyPr/>
-          <a:lstStyle/>
-          <a:p/>
-        </p:txBody>
-      </p:sp>
-      <p:pic>
-        <p:nvPicPr>
-          <p:cNvPr id="4" name="Picture 3" descr="fig{i}.png"/>
-          <p:cNvPicPr>
-            <a:picLocks noChangeAspect="1"/>
-          </p:cNvPicPr>
-          <p:nvPr/>
-        </p:nvPicPr>
-        <p:blipFill>
-          <a:blip r:embed="rId2"/>
-          <a:stretch>
-            <a:fillRect/>
-          </a:stretch>
-        </p:blipFill>
-        <p:spPr>
-          <a:xfrm>
-            <a:off x="1005840" y="1737360"/>
-            <a:ext cx="7315200" cy="4572000"/>
-          </a:xfrm>
-          <a:prstGeom prst="rect">
-            <a:avLst/>
-          </a:prstGeom>
-        </p:spPr>
-      </p:pic>
-    </p:spTree>
-  </p:cSld>
-  <p:clrMapOvr>
-    <a:masterClrMapping/>
-  </p:clrMapOvr>
-</p:sld>
-</file>
-
-<file path=ppt/slides/slide41.xml><?xml version="1.0" encoding="utf-8"?>
-<p:sld xmlns:a="http://schemas.openxmlformats.org/drawingml/2006/main" xmlns:p="http://schemas.openxmlformats.org/presentationml/2006/main" xmlns:r="http://schemas.openxmlformats.org/officeDocument/2006/relationships">
-  <p:cSld>
-    <p:spTree>
-      <p:nvGrpSpPr>
-        <p:cNvPr id="1" name=""/>
-        <p:cNvGrpSpPr/>
-        <p:nvPr/>
-      </p:nvGrpSpPr>
-      <p:grpSpPr/>
-      <p:sp>
-        <p:nvSpPr>
-          <p:cNvPr id="2" name="Title 1"/>
-          <p:cNvSpPr>
-            <a:spLocks noGrp="1"/>
-          </p:cNvSpPr>
-          <p:nvPr>
-            <p:ph type="title"/>
-          </p:nvPr>
-        </p:nvSpPr>
-        <p:spPr/>
-        <p:txBody>
-          <a:bodyPr/>
-          <a:lstStyle/>
-          <a:p>
-            <a:r>
-              <a:t>Pay out ratio</a:t>
-            </a:r>
-          </a:p>
-        </p:txBody>
-      </p:sp>
-      <p:sp>
-        <p:nvSpPr>
-          <p:cNvPr id="3" name="Content Placeholder 2"/>
-          <p:cNvSpPr>
-            <a:spLocks noGrp="1"/>
-          </p:cNvSpPr>
-          <p:nvPr>
-            <p:ph idx="1"/>
-          </p:nvPr>
-        </p:nvSpPr>
-        <p:spPr/>
-        <p:txBody>
-          <a:bodyPr/>
-          <a:lstStyle/>
-          <a:p/>
-        </p:txBody>
-      </p:sp>
-      <p:pic>
-        <p:nvPicPr>
-          <p:cNvPr id="4" name="Picture 3" descr="payout.png"/>
-          <p:cNvPicPr>
-            <a:picLocks noChangeAspect="1"/>
-          </p:cNvPicPr>
-          <p:nvPr/>
-        </p:nvPicPr>
-        <p:blipFill>
-          <a:blip r:embed="rId2"/>
-          <a:stretch>
-            <a:fillRect/>
-          </a:stretch>
-        </p:blipFill>
-        <p:spPr>
-          <a:xfrm>
-            <a:off x="914400" y="1828800"/>
-            <a:ext cx="7315200" cy="4572000"/>
-          </a:xfrm>
-          <a:prstGeom prst="rect">
-            <a:avLst/>
-          </a:prstGeom>
-        </p:spPr>
-      </p:pic>
-    </p:spTree>
-  </p:cSld>
-  <p:clrMapOvr>
-    <a:masterClrMapping/>
-  </p:clrMapOvr>
-</p:sld>
-</file>
-
-<file path=ppt/slides/slide42.xml><?xml version="1.0" encoding="utf-8"?>
-<p:sld xmlns:a="http://schemas.openxmlformats.org/drawingml/2006/main" xmlns:p="http://schemas.openxmlformats.org/presentationml/2006/main" xmlns:r="http://schemas.openxmlformats.org/officeDocument/2006/relationships">
-  <p:cSld>
-    <p:spTree>
-      <p:nvGrpSpPr>
-        <p:cNvPr id="1" name=""/>
-        <p:cNvGrpSpPr/>
-        <p:nvPr/>
-      </p:nvGrpSpPr>
-      <p:grpSpPr/>
-      <p:sp>
-        <p:nvSpPr>
-          <p:cNvPr id="2" name="Title 1"/>
-          <p:cNvSpPr>
-            <a:spLocks noGrp="1"/>
-          </p:cNvSpPr>
-          <p:nvPr>
-            <p:ph type="title"/>
-          </p:nvPr>
-        </p:nvSpPr>
-        <p:spPr/>
-        <p:txBody>
-          <a:bodyPr/>
-          <a:lstStyle/>
-          <a:p>
-            <a:r>
               <a:t>Equity versus debt</a:t>
             </a:r>
           </a:p>
@@ -6139,7 +5982,7 @@
 </p:sld>
 </file>
 
-<file path=ppt/slides/slide43.xml><?xml version="1.0" encoding="utf-8"?>
+<file path=ppt/slides/slide41.xml><?xml version="1.0" encoding="utf-8"?>
 <p:sld xmlns:a="http://schemas.openxmlformats.org/drawingml/2006/main" xmlns:p="http://schemas.openxmlformats.org/presentationml/2006/main" xmlns:r="http://schemas.openxmlformats.org/officeDocument/2006/relationships">
   <p:cSld>
     <p:spTree>
@@ -6219,7 +6062,7 @@
 </p:sld>
 </file>
 
-<file path=ppt/slides/slide44.xml><?xml version="1.0" encoding="utf-8"?>
+<file path=ppt/slides/slide42.xml><?xml version="1.0" encoding="utf-8"?>
 <p:sld xmlns:a="http://schemas.openxmlformats.org/drawingml/2006/main" xmlns:p="http://schemas.openxmlformats.org/presentationml/2006/main" xmlns:r="http://schemas.openxmlformats.org/officeDocument/2006/relationships">
   <p:cSld>
     <p:spTree>
@@ -6299,6 +6142,166 @@
 </p:sld>
 </file>
 
+<file path=ppt/slides/slide43.xml><?xml version="1.0" encoding="utf-8"?>
+<p:sld xmlns:a="http://schemas.openxmlformats.org/drawingml/2006/main" xmlns:p="http://schemas.openxmlformats.org/presentationml/2006/main" xmlns:r="http://schemas.openxmlformats.org/officeDocument/2006/relationships">
+  <p:cSld>
+    <p:spTree>
+      <p:nvGrpSpPr>
+        <p:cNvPr id="1" name=""/>
+        <p:cNvGrpSpPr/>
+        <p:nvPr/>
+      </p:nvGrpSpPr>
+      <p:grpSpPr/>
+      <p:sp>
+        <p:nvSpPr>
+          <p:cNvPr id="2" name="Title 1"/>
+          <p:cNvSpPr>
+            <a:spLocks noGrp="1"/>
+          </p:cNvSpPr>
+          <p:nvPr>
+            <p:ph type="title"/>
+          </p:nvPr>
+        </p:nvSpPr>
+        <p:spPr/>
+        <p:txBody>
+          <a:bodyPr/>
+          <a:lstStyle/>
+          <a:p>
+            <a:r>
+              <a:t>Maximum loss</a:t>
+            </a:r>
+          </a:p>
+        </p:txBody>
+      </p:sp>
+      <p:sp>
+        <p:nvSpPr>
+          <p:cNvPr id="3" name="Content Placeholder 2"/>
+          <p:cNvSpPr>
+            <a:spLocks noGrp="1"/>
+          </p:cNvSpPr>
+          <p:nvPr>
+            <p:ph idx="1"/>
+          </p:nvPr>
+        </p:nvSpPr>
+        <p:spPr/>
+        <p:txBody>
+          <a:bodyPr/>
+          <a:lstStyle/>
+          <a:p/>
+        </p:txBody>
+      </p:sp>
+      <p:pic>
+        <p:nvPicPr>
+          <p:cNvPr id="4" name="Picture 3" descr="maximum_draw_down.png"/>
+          <p:cNvPicPr>
+            <a:picLocks noChangeAspect="1"/>
+          </p:cNvPicPr>
+          <p:nvPr/>
+        </p:nvPicPr>
+        <p:blipFill>
+          <a:blip r:embed="rId2"/>
+          <a:stretch>
+            <a:fillRect/>
+          </a:stretch>
+        </p:blipFill>
+        <p:spPr>
+          <a:xfrm>
+            <a:off x="914400" y="1828800"/>
+            <a:ext cx="7315200" cy="4572000"/>
+          </a:xfrm>
+          <a:prstGeom prst="rect">
+            <a:avLst/>
+          </a:prstGeom>
+        </p:spPr>
+      </p:pic>
+    </p:spTree>
+  </p:cSld>
+  <p:clrMapOvr>
+    <a:masterClrMapping/>
+  </p:clrMapOvr>
+</p:sld>
+</file>
+
+<file path=ppt/slides/slide44.xml><?xml version="1.0" encoding="utf-8"?>
+<p:sld xmlns:a="http://schemas.openxmlformats.org/drawingml/2006/main" xmlns:p="http://schemas.openxmlformats.org/presentationml/2006/main" xmlns:r="http://schemas.openxmlformats.org/officeDocument/2006/relationships">
+  <p:cSld>
+    <p:spTree>
+      <p:nvGrpSpPr>
+        <p:cNvPr id="1" name=""/>
+        <p:cNvGrpSpPr/>
+        <p:nvPr/>
+      </p:nvGrpSpPr>
+      <p:grpSpPr/>
+      <p:sp>
+        <p:nvSpPr>
+          <p:cNvPr id="2" name="Title 1"/>
+          <p:cNvSpPr>
+            <a:spLocks noGrp="1"/>
+          </p:cNvSpPr>
+          <p:nvPr>
+            <p:ph type="title"/>
+          </p:nvPr>
+        </p:nvSpPr>
+        <p:spPr/>
+        <p:txBody>
+          <a:bodyPr/>
+          <a:lstStyle/>
+          <a:p>
+            <a:r>
+              <a:t>Normalized stocks price :O vs SP500</a:t>
+            </a:r>
+          </a:p>
+        </p:txBody>
+      </p:sp>
+      <p:sp>
+        <p:nvSpPr>
+          <p:cNvPr id="3" name="Content Placeholder 2"/>
+          <p:cNvSpPr>
+            <a:spLocks noGrp="1"/>
+          </p:cNvSpPr>
+          <p:nvPr>
+            <p:ph idx="1"/>
+          </p:nvPr>
+        </p:nvSpPr>
+        <p:spPr/>
+        <p:txBody>
+          <a:bodyPr/>
+          <a:lstStyle/>
+          <a:p/>
+        </p:txBody>
+      </p:sp>
+      <p:pic>
+        <p:nvPicPr>
+          <p:cNvPr id="4" name="Picture 3" descr="bench.png"/>
+          <p:cNvPicPr>
+            <a:picLocks noChangeAspect="1"/>
+          </p:cNvPicPr>
+          <p:nvPr/>
+        </p:nvPicPr>
+        <p:blipFill>
+          <a:blip r:embed="rId2"/>
+          <a:stretch>
+            <a:fillRect/>
+          </a:stretch>
+        </p:blipFill>
+        <p:spPr>
+          <a:xfrm>
+            <a:off x="914400" y="1828800"/>
+            <a:ext cx="7315200" cy="4572000"/>
+          </a:xfrm>
+          <a:prstGeom prst="rect">
+            <a:avLst/>
+          </a:prstGeom>
+        </p:spPr>
+      </p:pic>
+    </p:spTree>
+  </p:cSld>
+  <p:clrMapOvr>
+    <a:masterClrMapping/>
+  </p:clrMapOvr>
+</p:sld>
+</file>
+
 <file path=ppt/slides/slide45.xml><?xml version="1.0" encoding="utf-8"?>
 <p:sld xmlns:a="http://schemas.openxmlformats.org/drawingml/2006/main" xmlns:p="http://schemas.openxmlformats.org/presentationml/2006/main" xmlns:r="http://schemas.openxmlformats.org/officeDocument/2006/relationships">
   <p:cSld>
@@ -6325,7 +6328,7 @@
           <a:lstStyle/>
           <a:p>
             <a:r>
-              <a:t>Maximum loss</a:t>
+              <a:t>Linear regression</a:t>
             </a:r>
           </a:p>
         </p:txBody>
@@ -6349,7 +6352,7 @@
       </p:sp>
       <p:pic>
         <p:nvPicPr>
-          <p:cNvPr id="4" name="Picture 3" descr="maximum_draw_down.png"/>
+          <p:cNvPr id="4" name="Picture 3" descr="linear_regression.png"/>
           <p:cNvPicPr>
             <a:picLocks noChangeAspect="1"/>
           </p:cNvPicPr>
@@ -6405,166 +6408,6 @@
           <a:lstStyle/>
           <a:p>
             <a:r>
-              <a:t>Normalized stocks price :KO vs SP500</a:t>
-            </a:r>
-          </a:p>
-        </p:txBody>
-      </p:sp>
-      <p:sp>
-        <p:nvSpPr>
-          <p:cNvPr id="3" name="Content Placeholder 2"/>
-          <p:cNvSpPr>
-            <a:spLocks noGrp="1"/>
-          </p:cNvSpPr>
-          <p:nvPr>
-            <p:ph idx="1"/>
-          </p:nvPr>
-        </p:nvSpPr>
-        <p:spPr/>
-        <p:txBody>
-          <a:bodyPr/>
-          <a:lstStyle/>
-          <a:p/>
-        </p:txBody>
-      </p:sp>
-      <p:pic>
-        <p:nvPicPr>
-          <p:cNvPr id="4" name="Picture 3" descr="bench.png"/>
-          <p:cNvPicPr>
-            <a:picLocks noChangeAspect="1"/>
-          </p:cNvPicPr>
-          <p:nvPr/>
-        </p:nvPicPr>
-        <p:blipFill>
-          <a:blip r:embed="rId2"/>
-          <a:stretch>
-            <a:fillRect/>
-          </a:stretch>
-        </p:blipFill>
-        <p:spPr>
-          <a:xfrm>
-            <a:off x="914400" y="1828800"/>
-            <a:ext cx="7315200" cy="4572000"/>
-          </a:xfrm>
-          <a:prstGeom prst="rect">
-            <a:avLst/>
-          </a:prstGeom>
-        </p:spPr>
-      </p:pic>
-    </p:spTree>
-  </p:cSld>
-  <p:clrMapOvr>
-    <a:masterClrMapping/>
-  </p:clrMapOvr>
-</p:sld>
-</file>
-
-<file path=ppt/slides/slide47.xml><?xml version="1.0" encoding="utf-8"?>
-<p:sld xmlns:a="http://schemas.openxmlformats.org/drawingml/2006/main" xmlns:p="http://schemas.openxmlformats.org/presentationml/2006/main" xmlns:r="http://schemas.openxmlformats.org/officeDocument/2006/relationships">
-  <p:cSld>
-    <p:spTree>
-      <p:nvGrpSpPr>
-        <p:cNvPr id="1" name=""/>
-        <p:cNvGrpSpPr/>
-        <p:nvPr/>
-      </p:nvGrpSpPr>
-      <p:grpSpPr/>
-      <p:sp>
-        <p:nvSpPr>
-          <p:cNvPr id="2" name="Title 1"/>
-          <p:cNvSpPr>
-            <a:spLocks noGrp="1"/>
-          </p:cNvSpPr>
-          <p:nvPr>
-            <p:ph type="title"/>
-          </p:nvPr>
-        </p:nvSpPr>
-        <p:spPr/>
-        <p:txBody>
-          <a:bodyPr/>
-          <a:lstStyle/>
-          <a:p>
-            <a:r>
-              <a:t>Linear regression</a:t>
-            </a:r>
-          </a:p>
-        </p:txBody>
-      </p:sp>
-      <p:sp>
-        <p:nvSpPr>
-          <p:cNvPr id="3" name="Content Placeholder 2"/>
-          <p:cNvSpPr>
-            <a:spLocks noGrp="1"/>
-          </p:cNvSpPr>
-          <p:nvPr>
-            <p:ph idx="1"/>
-          </p:nvPr>
-        </p:nvSpPr>
-        <p:spPr/>
-        <p:txBody>
-          <a:bodyPr/>
-          <a:lstStyle/>
-          <a:p/>
-        </p:txBody>
-      </p:sp>
-      <p:pic>
-        <p:nvPicPr>
-          <p:cNvPr id="4" name="Picture 3" descr="linear_regression.png"/>
-          <p:cNvPicPr>
-            <a:picLocks noChangeAspect="1"/>
-          </p:cNvPicPr>
-          <p:nvPr/>
-        </p:nvPicPr>
-        <p:blipFill>
-          <a:blip r:embed="rId2"/>
-          <a:stretch>
-            <a:fillRect/>
-          </a:stretch>
-        </p:blipFill>
-        <p:spPr>
-          <a:xfrm>
-            <a:off x="914400" y="1828800"/>
-            <a:ext cx="7315200" cy="4572000"/>
-          </a:xfrm>
-          <a:prstGeom prst="rect">
-            <a:avLst/>
-          </a:prstGeom>
-        </p:spPr>
-      </p:pic>
-    </p:spTree>
-  </p:cSld>
-  <p:clrMapOvr>
-    <a:masterClrMapping/>
-  </p:clrMapOvr>
-</p:sld>
-</file>
-
-<file path=ppt/slides/slide48.xml><?xml version="1.0" encoding="utf-8"?>
-<p:sld xmlns:a="http://schemas.openxmlformats.org/drawingml/2006/main" xmlns:p="http://schemas.openxmlformats.org/presentationml/2006/main" xmlns:r="http://schemas.openxmlformats.org/officeDocument/2006/relationships">
-  <p:cSld>
-    <p:spTree>
-      <p:nvGrpSpPr>
-        <p:cNvPr id="1" name=""/>
-        <p:cNvGrpSpPr/>
-        <p:nvPr/>
-      </p:nvGrpSpPr>
-      <p:grpSpPr/>
-      <p:sp>
-        <p:nvSpPr>
-          <p:cNvPr id="2" name="Title 1"/>
-          <p:cNvSpPr>
-            <a:spLocks noGrp="1"/>
-          </p:cNvSpPr>
-          <p:nvPr>
-            <p:ph type="title"/>
-          </p:nvPr>
-        </p:nvSpPr>
-        <p:spPr/>
-        <p:txBody>
-          <a:bodyPr/>
-          <a:lstStyle/>
-          <a:p>
-            <a:r>
               <a:t>Relative Strength Index (RSI)</a:t>
             </a:r>
           </a:p>
@@ -6619,7 +6462,7 @@
 </p:sld>
 </file>
 
-<file path=ppt/slides/slide49.xml><?xml version="1.0" encoding="utf-8"?>
+<file path=ppt/slides/slide47.xml><?xml version="1.0" encoding="utf-8"?>
 <p:sld xmlns:a="http://schemas.openxmlformats.org/drawingml/2006/main" xmlns:p="http://schemas.openxmlformats.org/presentationml/2006/main" xmlns:r="http://schemas.openxmlformats.org/officeDocument/2006/relationships">
   <p:cSld>
     <p:spTree>
@@ -6685,6 +6528,166 @@
           <a:xfrm>
             <a:off x="45720" y="1371600"/>
             <a:ext cx="8229600" cy="5486400"/>
+          </a:xfrm>
+          <a:prstGeom prst="rect">
+            <a:avLst/>
+          </a:prstGeom>
+        </p:spPr>
+      </p:pic>
+    </p:spTree>
+  </p:cSld>
+  <p:clrMapOvr>
+    <a:masterClrMapping/>
+  </p:clrMapOvr>
+</p:sld>
+</file>
+
+<file path=ppt/slides/slide48.xml><?xml version="1.0" encoding="utf-8"?>
+<p:sld xmlns:a="http://schemas.openxmlformats.org/drawingml/2006/main" xmlns:p="http://schemas.openxmlformats.org/presentationml/2006/main" xmlns:r="http://schemas.openxmlformats.org/officeDocument/2006/relationships">
+  <p:cSld>
+    <p:spTree>
+      <p:nvGrpSpPr>
+        <p:cNvPr id="1" name=""/>
+        <p:cNvGrpSpPr/>
+        <p:nvPr/>
+      </p:nvGrpSpPr>
+      <p:grpSpPr/>
+      <p:sp>
+        <p:nvSpPr>
+          <p:cNvPr id="2" name="Title 1"/>
+          <p:cNvSpPr>
+            <a:spLocks noGrp="1"/>
+          </p:cNvSpPr>
+          <p:nvPr>
+            <p:ph type="title"/>
+          </p:nvPr>
+        </p:nvSpPr>
+        <p:spPr/>
+        <p:txBody>
+          <a:bodyPr/>
+          <a:lstStyle/>
+          <a:p>
+            <a:r>
+              <a:t>Correlations between various indexes and indicators</a:t>
+            </a:r>
+          </a:p>
+        </p:txBody>
+      </p:sp>
+      <p:sp>
+        <p:nvSpPr>
+          <p:cNvPr id="3" name="Content Placeholder 2"/>
+          <p:cNvSpPr>
+            <a:spLocks noGrp="1"/>
+          </p:cNvSpPr>
+          <p:nvPr>
+            <p:ph idx="1"/>
+          </p:nvPr>
+        </p:nvSpPr>
+        <p:spPr/>
+        <p:txBody>
+          <a:bodyPr/>
+          <a:lstStyle/>
+          <a:p/>
+        </p:txBody>
+      </p:sp>
+      <p:pic>
+        <p:nvPicPr>
+          <p:cNvPr id="4" name="Picture 3" descr="correlations.png"/>
+          <p:cNvPicPr>
+            <a:picLocks noChangeAspect="1"/>
+          </p:cNvPicPr>
+          <p:nvPr/>
+        </p:nvPicPr>
+        <p:blipFill>
+          <a:blip r:embed="rId2"/>
+          <a:stretch>
+            <a:fillRect/>
+          </a:stretch>
+        </p:blipFill>
+        <p:spPr>
+          <a:xfrm>
+            <a:off x="457200" y="1828800"/>
+            <a:ext cx="8229600" cy="4572000"/>
+          </a:xfrm>
+          <a:prstGeom prst="rect">
+            <a:avLst/>
+          </a:prstGeom>
+        </p:spPr>
+      </p:pic>
+    </p:spTree>
+  </p:cSld>
+  <p:clrMapOvr>
+    <a:masterClrMapping/>
+  </p:clrMapOvr>
+</p:sld>
+</file>
+
+<file path=ppt/slides/slide49.xml><?xml version="1.0" encoding="utf-8"?>
+<p:sld xmlns:a="http://schemas.openxmlformats.org/drawingml/2006/main" xmlns:p="http://schemas.openxmlformats.org/presentationml/2006/main" xmlns:r="http://schemas.openxmlformats.org/officeDocument/2006/relationships">
+  <p:cSld>
+    <p:spTree>
+      <p:nvGrpSpPr>
+        <p:cNvPr id="1" name=""/>
+        <p:cNvGrpSpPr/>
+        <p:nvPr/>
+      </p:nvGrpSpPr>
+      <p:grpSpPr/>
+      <p:sp>
+        <p:nvSpPr>
+          <p:cNvPr id="2" name="Title 1"/>
+          <p:cNvSpPr>
+            <a:spLocks noGrp="1"/>
+          </p:cNvSpPr>
+          <p:nvPr>
+            <p:ph type="title"/>
+          </p:nvPr>
+        </p:nvSpPr>
+        <p:spPr/>
+        <p:txBody>
+          <a:bodyPr/>
+          <a:lstStyle/>
+          <a:p>
+            <a:r>
+              <a:t>Breakdown of annual seasonality within the last years</a:t>
+            </a:r>
+          </a:p>
+        </p:txBody>
+      </p:sp>
+      <p:sp>
+        <p:nvSpPr>
+          <p:cNvPr id="3" name="Content Placeholder 2"/>
+          <p:cNvSpPr>
+            <a:spLocks noGrp="1"/>
+          </p:cNvSpPr>
+          <p:nvPr>
+            <p:ph idx="1"/>
+          </p:nvPr>
+        </p:nvSpPr>
+        <p:spPr/>
+        <p:txBody>
+          <a:bodyPr/>
+          <a:lstStyle/>
+          <a:p/>
+        </p:txBody>
+      </p:sp>
+      <p:pic>
+        <p:nvPicPr>
+          <p:cNvPr id="4" name="Picture 3" descr="seasonality.png"/>
+          <p:cNvPicPr>
+            <a:picLocks noChangeAspect="1"/>
+          </p:cNvPicPr>
+          <p:nvPr/>
+        </p:nvPicPr>
+        <p:blipFill>
+          <a:blip r:embed="rId2"/>
+          <a:stretch>
+            <a:fillRect/>
+          </a:stretch>
+        </p:blipFill>
+        <p:spPr>
+          <a:xfrm>
+            <a:off x="457200" y="1828800"/>
+            <a:ext cx="8229600" cy="4572000"/>
           </a:xfrm>
           <a:prstGeom prst="rect">
             <a:avLst/>
@@ -6805,7 +6808,7 @@
           <a:lstStyle/>
           <a:p>
             <a:r>
-              <a:t>Correlations between various indexes and indicators</a:t>
+              <a:t>Price and dividends</a:t>
             </a:r>
           </a:p>
         </p:txBody>
@@ -6829,7 +6832,7 @@
       </p:sp>
       <p:pic>
         <p:nvPicPr>
-          <p:cNvPr id="4" name="Picture 3" descr="correlations.png"/>
+          <p:cNvPr id="4" name="Picture 3" descr="price_with_dividends.png"/>
           <p:cNvPicPr>
             <a:picLocks noChangeAspect="1"/>
           </p:cNvPicPr>
@@ -6843,8 +6846,8 @@
         </p:blipFill>
         <p:spPr>
           <a:xfrm>
-            <a:off x="457200" y="1828800"/>
-            <a:ext cx="8229600" cy="4572000"/>
+            <a:off x="914400" y="1828800"/>
+            <a:ext cx="7315200" cy="4572000"/>
           </a:xfrm>
           <a:prstGeom prst="rect">
             <a:avLst/>
@@ -6885,7 +6888,7 @@
           <a:lstStyle/>
           <a:p>
             <a:r>
-              <a:t>Breakdown of annual seasonality within the last years</a:t>
+              <a:t>Dividend yield for O </a:t>
             </a:r>
           </a:p>
         </p:txBody>
@@ -6909,7 +6912,7 @@
       </p:sp>
       <p:pic>
         <p:nvPicPr>
-          <p:cNvPr id="4" name="Picture 3" descr="seasonality.png"/>
+          <p:cNvPr id="4" name="Picture 3" descr="time_serie_yield.png"/>
           <p:cNvPicPr>
             <a:picLocks noChangeAspect="1"/>
           </p:cNvPicPr>
@@ -6923,8 +6926,8 @@
         </p:blipFill>
         <p:spPr>
           <a:xfrm>
-            <a:off x="457200" y="1828800"/>
-            <a:ext cx="8229600" cy="4572000"/>
+            <a:off x="914400" y="1828800"/>
+            <a:ext cx="7315200" cy="4572000"/>
           </a:xfrm>
           <a:prstGeom prst="rect">
             <a:avLst/>
@@ -6965,7 +6968,7 @@
           <a:lstStyle/>
           <a:p>
             <a:r>
-              <a:t>Price and dividends</a:t>
+              <a:t>Dividend yield for O 5 years</a:t>
             </a:r>
           </a:p>
         </p:txBody>
@@ -6989,7 +6992,7 @@
       </p:sp>
       <p:pic>
         <p:nvPicPr>
-          <p:cNvPr id="4" name="Picture 3" descr="price_with_dividends.png"/>
+          <p:cNvPr id="4" name="Picture 3" descr="time_serie_yield_five_years.png"/>
           <p:cNvPicPr>
             <a:picLocks noChangeAspect="1"/>
           </p:cNvPicPr>
@@ -7045,7 +7048,7 @@
           <a:lstStyle/>
           <a:p>
             <a:r>
-              <a:t>Dividend yield for KO</a:t>
+              <a:t>Dividend per year and per share</a:t>
             </a:r>
           </a:p>
         </p:txBody>
@@ -7069,7 +7072,7 @@
       </p:sp>
       <p:pic>
         <p:nvPicPr>
-          <p:cNvPr id="4" name="Picture 3" descr="time_serie_yield.png"/>
+          <p:cNvPr id="4" name="Picture 3" descr="annual_dividend.png"/>
           <p:cNvPicPr>
             <a:picLocks noChangeAspect="1"/>
           </p:cNvPicPr>
@@ -7125,7 +7128,7 @@
           <a:lstStyle/>
           <a:p>
             <a:r>
-              <a:t>Dividend per year and per share</a:t>
+              <a:t>Dividend percentage changes statistics by year</a:t>
             </a:r>
           </a:p>
         </p:txBody>
@@ -7149,7 +7152,7 @@
       </p:sp>
       <p:pic>
         <p:nvPicPr>
-          <p:cNvPr id="4" name="Picture 3" descr="annual_dividend.png"/>
+          <p:cNvPr id="4" name="Picture 3" descr="price_with_dividends.png"/>
           <p:cNvPicPr>
             <a:picLocks noChangeAspect="1"/>
           </p:cNvPicPr>
@@ -7205,7 +7208,7 @@
           <a:lstStyle/>
           <a:p>
             <a:r>
-              <a:t>Dividend percentage changes statistics by year</a:t>
+              <a:t>Dividend percentage changes statistics by year (5 years)</a:t>
             </a:r>
           </a:p>
         </p:txBody>
@@ -7285,7 +7288,7 @@
           <a:lstStyle/>
           <a:p>
             <a:r>
-              <a:t>Dividend percentage changes statistics by year (5 years)</a:t>
+              <a:t>Dividend scores overall</a:t>
             </a:r>
           </a:p>
         </p:txBody>
@@ -7309,7 +7312,7 @@
       </p:sp>
       <p:pic>
         <p:nvPicPr>
-          <p:cNvPr id="4" name="Picture 3" descr="price_with_dividends.png"/>
+          <p:cNvPr id="4" name="Picture 3" descr="dividend_scores.png"/>
           <p:cNvPicPr>
             <a:picLocks noChangeAspect="1"/>
           </p:cNvPicPr>
@@ -7365,7 +7368,7 @@
           <a:lstStyle/>
           <a:p>
             <a:r>
-              <a:t>Dividend scores overall</a:t>
+              <a:t>Dividend scores 5 years</a:t>
             </a:r>
           </a:p>
         </p:txBody>
@@ -7389,7 +7392,7 @@
       </p:sp>
       <p:pic>
         <p:nvPicPr>
-          <p:cNvPr id="4" name="Picture 3" descr="dividend_scores.png"/>
+          <p:cNvPr id="4" name="Picture 3" descr="dividend_scores_five_years.png"/>
           <p:cNvPicPr>
             <a:picLocks noChangeAspect="1"/>
           </p:cNvPicPr>
@@ -7445,7 +7448,7 @@
           <a:lstStyle/>
           <a:p>
             <a:r>
-              <a:t>Dividend scores 5 years</a:t>
+              <a:t>Investor distribution</a:t>
             </a:r>
           </a:p>
         </p:txBody>
@@ -7469,7 +7472,7 @@
       </p:sp>
       <p:pic>
         <p:nvPicPr>
-          <p:cNvPr id="4" name="Picture 3" descr="dividend_scores_five_years.png"/>
+          <p:cNvPr id="4" name="Picture 3" descr="shareholders.png"/>
           <p:cNvPicPr>
             <a:picLocks noChangeAspect="1"/>
           </p:cNvPicPr>
@@ -7483,8 +7486,8 @@
         </p:blipFill>
         <p:spPr>
           <a:xfrm>
-            <a:off x="914400" y="1828800"/>
-            <a:ext cx="7315200" cy="4572000"/>
+            <a:off x="2194560" y="1371600"/>
+            <a:ext cx="4572000" cy="4572000"/>
           </a:xfrm>
           <a:prstGeom prst="rect">
             <a:avLst/>
@@ -7525,7 +7528,7 @@
           <a:lstStyle/>
           <a:p>
             <a:r>
-              <a:t>Investor distribution</a:t>
+              <a:t>Market feeling analysis, based on news titles.</a:t>
             </a:r>
           </a:p>
         </p:txBody>
@@ -7549,7 +7552,7 @@
       </p:sp>
       <p:pic>
         <p:nvPicPr>
-          <p:cNvPr id="4" name="Picture 3" descr="shareholders.png"/>
+          <p:cNvPr id="4" name="Picture 3" descr="sentiment.png"/>
           <p:cNvPicPr>
             <a:picLocks noChangeAspect="1"/>
           </p:cNvPicPr>
@@ -7563,8 +7566,8 @@
         </p:blipFill>
         <p:spPr>
           <a:xfrm>
-            <a:off x="2194560" y="1371600"/>
-            <a:ext cx="4572000" cy="4572000"/>
+            <a:off x="914400" y="1828800"/>
+            <a:ext cx="7315200" cy="4572000"/>
           </a:xfrm>
           <a:prstGeom prst="rect">
             <a:avLst/>
@@ -7685,86 +7688,6 @@
           <a:lstStyle/>
           <a:p>
             <a:r>
-              <a:t>Market feeling analysis, based on news titles.</a:t>
-            </a:r>
-          </a:p>
-        </p:txBody>
-      </p:sp>
-      <p:sp>
-        <p:nvSpPr>
-          <p:cNvPr id="3" name="Content Placeholder 2"/>
-          <p:cNvSpPr>
-            <a:spLocks noGrp="1"/>
-          </p:cNvSpPr>
-          <p:nvPr>
-            <p:ph idx="1"/>
-          </p:nvPr>
-        </p:nvSpPr>
-        <p:spPr/>
-        <p:txBody>
-          <a:bodyPr/>
-          <a:lstStyle/>
-          <a:p/>
-        </p:txBody>
-      </p:sp>
-      <p:pic>
-        <p:nvPicPr>
-          <p:cNvPr id="4" name="Picture 3" descr="sentiment.png"/>
-          <p:cNvPicPr>
-            <a:picLocks noChangeAspect="1"/>
-          </p:cNvPicPr>
-          <p:nvPr/>
-        </p:nvPicPr>
-        <p:blipFill>
-          <a:blip r:embed="rId2"/>
-          <a:stretch>
-            <a:fillRect/>
-          </a:stretch>
-        </p:blipFill>
-        <p:spPr>
-          <a:xfrm>
-            <a:off x="914400" y="1828800"/>
-            <a:ext cx="7315200" cy="4572000"/>
-          </a:xfrm>
-          <a:prstGeom prst="rect">
-            <a:avLst/>
-          </a:prstGeom>
-        </p:spPr>
-      </p:pic>
-    </p:spTree>
-  </p:cSld>
-  <p:clrMapOvr>
-    <a:masterClrMapping/>
-  </p:clrMapOvr>
-</p:sld>
-</file>
-
-<file path=ppt/slides/slide61.xml><?xml version="1.0" encoding="utf-8"?>
-<p:sld xmlns:a="http://schemas.openxmlformats.org/drawingml/2006/main" xmlns:p="http://schemas.openxmlformats.org/presentationml/2006/main" xmlns:r="http://schemas.openxmlformats.org/officeDocument/2006/relationships">
-  <p:cSld>
-    <p:spTree>
-      <p:nvGrpSpPr>
-        <p:cNvPr id="1" name=""/>
-        <p:cNvGrpSpPr/>
-        <p:nvPr/>
-      </p:nvGrpSpPr>
-      <p:grpSpPr/>
-      <p:sp>
-        <p:nvSpPr>
-          <p:cNvPr id="2" name="Title 1"/>
-          <p:cNvSpPr>
-            <a:spLocks noGrp="1"/>
-          </p:cNvSpPr>
-          <p:nvPr>
-            <p:ph type="title"/>
-          </p:nvPr>
-        </p:nvSpPr>
-        <p:spPr/>
-        <p:txBody>
-          <a:bodyPr/>
-          <a:lstStyle/>
-          <a:p>
-            <a:r>
               <a:t>Numbers and interestings informations.</a:t>
             </a:r>
           </a:p>
@@ -7811,27 +7734,27 @@
           <a:p/>
           <a:p>
             <a:r>
-              <a:t>The increase in average price over 49 years is 13.26%</a:t>
+              <a:t>The increase in average price over 30 years is 13.28%</a:t>
             </a:r>
             <a:br/>
             <a:r>
-              <a:t>and 9.26% over the last 5 years.</a:t>
+              <a:t>and 1.88% over the last 5 years.</a:t>
             </a:r>
             <a:br/>
             <a:r>
-              <a:t>The average standard deviation a year is 1.46</a:t>
+              <a:t>The average standard deviation a year is 1.78</a:t>
             </a:r>
             <a:br/>
             <a:r>
-              <a:t>      and 1.07 over the last 5 years.</a:t>
+              <a:t>      and 1.32 over the last 5 years.</a:t>
             </a:r>
             <a:br/>
             <a:r>
-              <a:t>The Sharpe and Sortino ratios are respectively 0.5704 and 0.058</a:t>
+              <a:t>The Sharpe and Sortino ratios are respectively 0.4709 and 0.0479</a:t>
             </a:r>
             <a:br/>
             <a:r>
-              <a:t>and 0.5448 and 0.0593 over the last 5 years.</a:t>
+              <a:t>and 0.0897 and 0.0202 over the last 5 years.</a:t>
             </a:r>
             <a:br/>
             <a:br/>
@@ -7840,15 +7763,15 @@
             </a:r>
             <a:br/>
             <a:r>
-              <a:t>-Berkshire Hathaway, Inc</a:t>
+              <a:t>-Avanguard Group Inc</a:t>
             </a:r>
             <a:br/>
             <a:r>
-              <a:t>-Avanguard Group Inc</a:t>
+              <a:t>-BlackRock Inc.</a:t>
             </a:r>
             <a:br/>
             <a:r>
-              <a:t>-BlackRock Inc ..</a:t>
+              <a:t>-State Street Corporation.</a:t>
             </a:r>
             <a:br/>
             <a:br/>
